--- a/assets/media/Figure.pptx
+++ b/assets/media/Figure.pptx
@@ -1,18 +1,17 @@
 
 <file path=ppt/presentation.xml><?xml version="1.0" encoding="utf-8"?>
-<!--Generated by Aspose.Slides for .NET 19.1-->
-<p:presentation xmlns:r="http://schemas.openxmlformats.org/officeDocument/2006/relationships" xmlns:a="http://schemas.openxmlformats.org/drawingml/2006/main" xmlns:p="http://schemas.openxmlformats.org/presentationml/2006/main">
+<p:presentation xmlns:a="http://schemas.openxmlformats.org/drawingml/2006/main" xmlns:r="http://schemas.openxmlformats.org/officeDocument/2006/relationships" xmlns:p="http://schemas.openxmlformats.org/presentationml/2006/main">
   <p:sldMasterIdLst>
     <p:sldMasterId id="2147484689" r:id="rId1"/>
   </p:sldMasterIdLst>
   <p:notesMasterIdLst>
-    <p:notesMasterId r:id="rId2"/>
+    <p:notesMasterId r:id="rId3"/>
   </p:notesMasterIdLst>
   <p:handoutMasterIdLst>
-    <p:handoutMasterId r:id="rId3"/>
+    <p:handoutMasterId r:id="rId4"/>
   </p:handoutMasterIdLst>
   <p:sldIdLst>
-    <p:sldId id="261" r:id="rId4"/>
+    <p:sldId id="261" r:id="rId2"/>
   </p:sldIdLst>
   <p:sldSz cx="9144000" cy="6858000" type="screen4x3"/>
   <p:notesSz cx="6858000" cy="9144000"/>
@@ -139,17 +138,26 @@
       </a:defRPr>
     </a:lvl5pPr>
   </p:defaultTextStyle>
+  <p:extLst>
+    <p:ext uri="{EFAFB233-063F-42B5-8137-9DF3F51BA10A}">
+      <p15:sldGuideLst xmlns:p15="http://schemas.microsoft.com/office/powerpoint/2012/main"/>
+    </p:ext>
+    <p:ext uri="{2D200454-40CA-4A62-9FC3-DE9A4176ACB9}">
+      <p15:notesGuideLst xmlns:p15="http://schemas.microsoft.com/office/powerpoint/2012/main"/>
+    </p:ext>
+  </p:extLst>
 </p:presentation>
 </file>
 
 <file path=ppt/handoutMasters/handoutMaster1.xml><?xml version="1.0" encoding="utf-8"?>
-<p:handoutMaster xmlns:a="http://schemas.openxmlformats.org/drawingml/2006/main" xmlns:r="http://schemas.openxmlformats.org/officeDocument/2006/relationships" xmlns:p14="http://schemas.microsoft.com/office/powerpoint/2010/main" xmlns:a14="http://schemas.microsoft.com/office/drawing/2010/main" xmlns:p="http://schemas.openxmlformats.org/presentationml/2006/main">
-  <p:cSld name="">
+<p:handoutMaster xmlns:a="http://schemas.openxmlformats.org/drawingml/2006/main" xmlns:r="http://schemas.openxmlformats.org/officeDocument/2006/relationships" xmlns:p="http://schemas.openxmlformats.org/presentationml/2006/main">
+  <p:cSld>
     <p:bg>
       <p:bgPr>
         <a:solidFill>
           <a:schemeClr val="bg1"/>
         </a:solidFill>
+        <a:effectLst/>
       </p:bgPr>
     </p:bg>
     <p:spTree>
@@ -158,7 +166,14 @@
         <p:cNvGrpSpPr/>
         <p:nvPr/>
       </p:nvGrpSpPr>
-      <p:grpSpPr/>
+      <p:grpSpPr>
+        <a:xfrm>
+          <a:off x="0" y="0"/>
+          <a:ext cx="0" cy="0"/>
+          <a:chOff x="0" y="0"/>
+          <a:chExt cx="0" cy="0"/>
+        </a:xfrm>
+      </p:grpSpPr>
       <p:sp>
         <p:nvSpPr>
           <p:cNvPr id="4098" name="Header Placeholder 1"/>
@@ -558,7 +573,7 @@
               <a:rPr lang="en-US" altLang="en-US" sz="1200">
                 <a:latin typeface="Calibri" pitchFamily="34" charset="0"/>
               </a:rPr>
-              <a:t>*</a:t>
+              <a:t>‹#›</a:t>
             </a:fld>
             <a:endParaRPr lang="en-US" altLang="en-US" sz="1200">
               <a:latin typeface="Calibri" pitchFamily="34" charset="0"/>
@@ -567,19 +582,25 @@
         </p:txBody>
       </p:sp>
     </p:spTree>
+    <p:extLst>
+      <p:ext uri="{BB962C8B-B14F-4D97-AF65-F5344CB8AC3E}">
+        <p14:creationId xmlns:p14="http://schemas.microsoft.com/office/powerpoint/2010/main" val="1"/>
+      </p:ext>
+    </p:extLst>
   </p:cSld>
   <p:clrMap bg1="lt1" tx1="dk1" bg2="lt2" tx2="dk2" accent1="accent1" accent2="accent2" accent3="accent3" accent4="accent4" accent5="accent5" accent6="accent6" hlink="hlink" folHlink="folHlink"/>
 </p:handoutMaster>
 </file>
 
 <file path=ppt/notesMasters/notesMaster1.xml><?xml version="1.0" encoding="utf-8"?>
-<p:notesMaster xmlns:a="http://schemas.openxmlformats.org/drawingml/2006/main" xmlns:r="http://schemas.openxmlformats.org/officeDocument/2006/relationships" xmlns:p14="http://schemas.microsoft.com/office/powerpoint/2010/main" xmlns:a14="http://schemas.microsoft.com/office/drawing/2010/main" xmlns:p="http://schemas.openxmlformats.org/presentationml/2006/main">
-  <p:cSld name="">
+<p:notesMaster xmlns:a="http://schemas.openxmlformats.org/drawingml/2006/main" xmlns:r="http://schemas.openxmlformats.org/officeDocument/2006/relationships" xmlns:p="http://schemas.openxmlformats.org/presentationml/2006/main">
+  <p:cSld>
     <p:bg>
       <p:bgPr>
         <a:solidFill>
           <a:schemeClr val="bg1"/>
         </a:solidFill>
+        <a:effectLst/>
       </p:bgPr>
     </p:bg>
     <p:spTree>
@@ -588,7 +609,14 @@
         <p:cNvGrpSpPr/>
         <p:nvPr/>
       </p:nvGrpSpPr>
-      <p:grpSpPr/>
+      <p:grpSpPr>
+        <a:xfrm>
+          <a:off x="0" y="0"/>
+          <a:ext cx="0" cy="0"/>
+          <a:chOff x="0" y="0"/>
+          <a:chExt cx="0" cy="0"/>
+        </a:xfrm>
+      </p:grpSpPr>
       <p:sp>
         <p:nvSpPr>
           <p:cNvPr id="3074" name="Header Placeholder 1"/>
@@ -1220,7 +1248,7 @@
             <a:pPr marL="0" lvl="0" indent="0" algn="r" eaLnBrk="1" hangingPunct="1"/>
             <a:fld id="{A328E76B-83D4-49FC-A7B9-8A9A7D11903E}" type="slidenum">
               <a:rPr lang="en-US" altLang="en-US" sz="1200"/>
-              <a:t>*</a:t>
+              <a:t>‹#›</a:t>
             </a:fld>
             <a:endParaRPr lang="en-US" altLang="en-US" sz="1200"/>
           </a:p>
@@ -1234,15 +1262,22 @@
 </file>
 
 <file path=ppt/notesSlides/notesSlide1.xml><?xml version="1.0" encoding="utf-8"?>
-<p:notes xmlns:a="http://schemas.openxmlformats.org/drawingml/2006/main" xmlns:r="http://schemas.openxmlformats.org/officeDocument/2006/relationships" xmlns:p14="http://schemas.microsoft.com/office/powerpoint/2010/main" xmlns:a14="http://schemas.microsoft.com/office/drawing/2010/main" xmlns:p="http://schemas.openxmlformats.org/presentationml/2006/main">
-  <p:cSld name="">
+<p:notes xmlns:a="http://schemas.openxmlformats.org/drawingml/2006/main" xmlns:r="http://schemas.openxmlformats.org/officeDocument/2006/relationships" xmlns:p="http://schemas.openxmlformats.org/presentationml/2006/main">
+  <p:cSld>
     <p:spTree>
       <p:nvGrpSpPr>
         <p:cNvPr id="1" name=""/>
         <p:cNvGrpSpPr/>
         <p:nvPr/>
       </p:nvGrpSpPr>
-      <p:grpSpPr/>
+      <p:grpSpPr>
+        <a:xfrm>
+          <a:off x="0" y="0"/>
+          <a:ext cx="0" cy="0"/>
+          <a:chOff x="0" y="0"/>
+          <a:chExt cx="0" cy="0"/>
+        </a:xfrm>
+      </p:grpSpPr>
       <p:sp>
         <p:nvSpPr>
           <p:cNvPr id="6146" name="Slide Image Placeholder 1"/>
@@ -1429,10 +1464,6 @@
               <a:t>Hierarchical clustering (Euclidean) on the 599 validated hits in both the discovery (left) and validation (right) cohorts. Numbers represent the percentage of times these clusters formed when using 1000 iterations with pvclust. Those highlighted in green are considered stable, where clusters formed &gt;75% of the time. Those highlighted in red were unstable. P values signify clusters are significantly different from one another.
 </a:t>
             </a:r>
-            <a:endParaRPr lang="en-US" altLang="en-US">
-              <a:latin typeface="Arial" pitchFamily="34" charset="0"/>
-              <a:ea typeface="Arial" pitchFamily="34" charset="0"/>
-            </a:endParaRPr>
           </a:p>
           <a:p>
             <a:pPr marL="0" lvl="0" indent="0"/>
@@ -1443,10 +1474,6 @@
               </a:rPr>
               <a:t>Unless provided in the caption above, the following copyright applies to the content of this slide: © The Author 2017. Published by Oxford University Press.This is an Open Access article distributed under the terms of the Creative Commons Attribution Non-Commercial License (http://creativecommons.org/licenses/by-nc/4.0/), which permits non-commercial re-use, distribution, and reproduction in any medium, provided the original work is properly cited. For commercial re-use, please contact journals.permissions@oup.com© The Author 2017. Published by Oxford University Press.</a:t>
             </a:r>
-            <a:endParaRPr lang="en-US" altLang="en-US">
-              <a:latin typeface="Arial" pitchFamily="34" charset="0"/>
-              <a:ea typeface="Arial" pitchFamily="34" charset="0"/>
-            </a:endParaRPr>
           </a:p>
         </p:txBody>
       </p:sp>
@@ -1614,13 +1641,14 @@
 </file>
 
 <file path=ppt/slideLayouts/slideLayout1.xml><?xml version="1.0" encoding="utf-8"?>
-<p:sldLayout xmlns:a="http://schemas.openxmlformats.org/drawingml/2006/main" xmlns:r="http://schemas.openxmlformats.org/officeDocument/2006/relationships" xmlns:p14="http://schemas.microsoft.com/office/powerpoint/2010/main" xmlns:a14="http://schemas.microsoft.com/office/drawing/2010/main" xmlns:p15="http://schemas.microsoft.com/office/powerpoint/2012/main" xmlns:p="http://schemas.openxmlformats.org/presentationml/2006/main">
+<p:sldLayout xmlns:a="http://schemas.openxmlformats.org/drawingml/2006/main" xmlns:r="http://schemas.openxmlformats.org/officeDocument/2006/relationships" xmlns:p="http://schemas.openxmlformats.org/presentationml/2006/main">
   <p:cSld name="Title and Content">
     <p:bg>
       <p:bgPr>
         <a:solidFill>
           <a:schemeClr val="bg1"/>
         </a:solidFill>
+        <a:effectLst/>
       </p:bgPr>
     </p:bg>
     <p:spTree>
@@ -1629,7 +1657,14 @@
         <p:cNvGrpSpPr/>
         <p:nvPr/>
       </p:nvGrpSpPr>
-      <p:grpSpPr/>
+      <p:grpSpPr>
+        <a:xfrm>
+          <a:off x="0" y="0"/>
+          <a:ext cx="0" cy="0"/>
+          <a:chOff x="0" y="0"/>
+          <a:chExt cx="0" cy="0"/>
+        </a:xfrm>
+      </p:grpSpPr>
       <p:sp>
         <p:nvSpPr>
           <p:cNvPr id="3" name="Content Placeholder 2"/>
@@ -1787,18 +1822,18 @@
     <a:masterClrMapping/>
   </p:clrMapOvr>
   <p:transition/>
-  <p:timing/>
 </p:sldLayout>
 </file>
 
 <file path=ppt/slideMasters/slideMaster1.xml><?xml version="1.0" encoding="utf-8"?>
-<p:sldMaster xmlns:a="http://schemas.openxmlformats.org/drawingml/2006/main" xmlns:r="http://schemas.openxmlformats.org/officeDocument/2006/relationships" xmlns:p14="http://schemas.microsoft.com/office/powerpoint/2010/main" xmlns:a14="http://schemas.microsoft.com/office/drawing/2010/main" xmlns:p15="http://schemas.microsoft.com/office/powerpoint/2012/main" xmlns:p="http://schemas.openxmlformats.org/presentationml/2006/main">
+<p:sldMaster xmlns:a="http://schemas.openxmlformats.org/drawingml/2006/main" xmlns:r="http://schemas.openxmlformats.org/officeDocument/2006/relationships" xmlns:p="http://schemas.openxmlformats.org/presentationml/2006/main">
   <p:cSld>
     <p:bg>
       <p:bgPr>
         <a:solidFill>
           <a:schemeClr val="bg1"/>
         </a:solidFill>
+        <a:effectLst/>
       </p:bgPr>
     </p:bg>
     <p:spTree>
@@ -1807,7 +1842,14 @@
         <p:cNvGrpSpPr/>
         <p:nvPr/>
       </p:nvGrpSpPr>
-      <p:grpSpPr/>
+      <p:grpSpPr>
+        <a:xfrm>
+          <a:off x="0" y="0"/>
+          <a:ext cx="0" cy="0"/>
+          <a:chOff x="0" y="0"/>
+          <a:chExt cx="0" cy="0"/>
+        </a:xfrm>
+      </p:grpSpPr>
       <p:sp>
         <p:nvSpPr>
           <p:cNvPr id="1026" name="Date Placeholder 3"/>
@@ -2503,7 +2545,6 @@
     <p:sldLayoutId id="2147484749" r:id="rId1"/>
   </p:sldLayoutIdLst>
   <p:transition/>
-  <p:timing/>
   <p:txStyles>
     <p:titleStyle>
       <a:lvl1pPr marL="0" indent="0" algn="l" defTabSz="914400" rtl="0" eaLnBrk="0" fontAlgn="base" hangingPunct="0">
@@ -3019,15 +3060,22 @@
 </file>
 
 <file path=ppt/slides/slide1.xml><?xml version="1.0" encoding="utf-8"?>
-<p:sld xmlns:a="http://schemas.openxmlformats.org/drawingml/2006/main" xmlns:r="http://schemas.openxmlformats.org/officeDocument/2006/relationships" xmlns:p14="http://schemas.microsoft.com/office/powerpoint/2010/main" xmlns:a14="http://schemas.microsoft.com/office/drawing/2010/main" xmlns:p15="http://schemas.microsoft.com/office/powerpoint/2012/main" xmlns:p="http://schemas.openxmlformats.org/presentationml/2006/main">
-  <p:cSld name="">
+<p:sld xmlns:a="http://schemas.openxmlformats.org/drawingml/2006/main" xmlns:r="http://schemas.openxmlformats.org/officeDocument/2006/relationships" xmlns:p="http://schemas.openxmlformats.org/presentationml/2006/main">
+  <p:cSld>
     <p:spTree>
       <p:nvGrpSpPr>
         <p:cNvPr id="1" name=""/>
         <p:cNvGrpSpPr/>
         <p:nvPr/>
       </p:nvGrpSpPr>
-      <p:grpSpPr/>
+      <p:grpSpPr>
+        <a:xfrm>
+          <a:off x="0" y="0"/>
+          <a:ext cx="0" cy="0"/>
+          <a:chOff x="0" y="0"/>
+          <a:chExt cx="0" cy="0"/>
+        </a:xfrm>
+      </p:grpSpPr>
       <p:sp>
         <p:nvSpPr>
           <p:cNvPr id="5122" name="Footer Placeholder 3"/>
@@ -3499,7 +3547,6 @@
               <a:rPr lang="en-US" altLang="en-US" b="0"/>
               <a:t>Hierarchical clustering (Euclidean) on the 599 validated hits in both the discovery (left) and validation ...</a:t>
             </a:r>
-            <a:endParaRPr lang="en-US" altLang="en-US" b="0"/>
           </a:p>
         </p:txBody>
       </p:sp>
@@ -3546,8 +3593,8 @@
         </p:blipFill>
         <p:spPr>
           <a:xfrm>
-            <a:off x="1600200" y="1371600"/>
-            <a:ext cx="5943600" cy="3376911"/>
+            <a:off x="457200" y="1038225"/>
+            <a:ext cx="8229600" cy="4681587"/>
           </a:xfrm>
           <a:prstGeom prst="rect">
             <a:avLst/>
@@ -3560,12 +3607,11 @@
     <a:masterClrMapping/>
   </p:clrMapOvr>
   <p:transition/>
-  <p:timing/>
 </p:sld>
 </file>
 
 <file path=ppt/tags/tag1.xml><?xml version="1.0" encoding="utf-8"?>
-<p:tagLst xmlns:p="http://schemas.openxmlformats.org/presentationml/2006/main">
+<p:tagLst xmlns:a="http://schemas.openxmlformats.org/drawingml/2006/main" xmlns:r="http://schemas.openxmlformats.org/officeDocument/2006/relationships" xmlns:p="http://schemas.openxmlformats.org/presentationml/2006/main">
   <p:tag name="AS_NET" val="4.0.30319.42000"/>
   <p:tag name="AS_OS" val="Microsoft Windows NT 10.0.14393.0"/>
   <p:tag name="AS_RELEASE_DATE" val="2019.01.14"/>
@@ -3575,7 +3621,7 @@
 </file>
 
 <file path=ppt/theme/theme1.xml><?xml version="1.0" encoding="utf-8"?>
-<a:theme xmlns:r="http://schemas.openxmlformats.org/officeDocument/2006/relationships" xmlns:a="http://schemas.openxmlformats.org/drawingml/2006/main" name="13_Office Theme">
+<a:theme xmlns:a="http://schemas.openxmlformats.org/drawingml/2006/main" name="13_Office Theme">
   <a:themeElements>
     <a:clrScheme name="13_Office Theme 1">
       <a:dk1>
@@ -3967,7 +4013,7 @@
 </file>
 
 <file path=ppt/theme/theme2.xml><?xml version="1.0" encoding="utf-8"?>
-<a:theme xmlns:r="http://schemas.openxmlformats.org/officeDocument/2006/relationships" xmlns:a="http://schemas.openxmlformats.org/drawingml/2006/main" name="Office Theme">
+<a:theme xmlns:a="http://schemas.openxmlformats.org/drawingml/2006/main" name="Office Theme">
   <a:themeElements>
     <a:clrScheme name="">
       <a:dk1>
@@ -4009,7 +4055,7 @@
     </a:clrScheme>
     <a:fontScheme name="Office">
       <a:majorFont>
-        <a:latin typeface="Calibri Light" panose="020f0302020204030204"/>
+        <a:latin typeface="Calibri Light" panose="020F0302020204030204"/>
         <a:ea typeface="Arial"/>
         <a:cs typeface="Arial"/>
         <a:font script="Jpan" typeface="游ゴシック Light"/>
@@ -4252,6 +4298,7 @@
     </a:fmtScheme>
   </a:themeElements>
   <a:objectDefaults/>
+  <a:extraClrSchemeLst/>
   <a:extLst>
     <a:ext uri="{05A4C25C-085E-4340-85A3-A5531E510DB2}">
       <thm15:themeFamily xmlns:thm15="http://schemas.microsoft.com/office/thememl/2012/main" name="Office Theme" id="{62F939B6-93AF-4DB8-9C6B-D6C7DFDC589F}" vid="{4A3C46E8-61CC-4603-A589-7422A47A8E4A}"/>
@@ -4261,7 +4308,7 @@
 </file>
 
 <file path=ppt/theme/theme3.xml><?xml version="1.0" encoding="utf-8"?>
-<a:theme xmlns:r="http://schemas.openxmlformats.org/officeDocument/2006/relationships" xmlns:a="http://schemas.openxmlformats.org/drawingml/2006/main" name="Office Theme">
+<a:theme xmlns:a="http://schemas.openxmlformats.org/drawingml/2006/main" name="Office Theme">
   <a:themeElements>
     <a:clrScheme name="">
       <a:dk1>
@@ -4303,7 +4350,7 @@
     </a:clrScheme>
     <a:fontScheme name="Office">
       <a:majorFont>
-        <a:latin typeface="Calibri Light" panose="020f0302020204030204"/>
+        <a:latin typeface="Calibri Light" panose="020F0302020204030204"/>
         <a:ea typeface="Arial"/>
         <a:cs typeface="Arial"/>
         <a:font script="Jpan" typeface="游ゴシック Light"/>
@@ -4546,6 +4593,7 @@
     </a:fmtScheme>
   </a:themeElements>
   <a:objectDefaults/>
+  <a:extraClrSchemeLst/>
   <a:extLst>
     <a:ext uri="{05A4C25C-085E-4340-85A3-A5531E510DB2}">
       <thm15:themeFamily xmlns:thm15="http://schemas.microsoft.com/office/thememl/2012/main" name="Office Theme" id="{62F939B6-93AF-4DB8-9C6B-D6C7DFDC589F}" vid="{4A3C46E8-61CC-4603-A589-7422A47A8E4A}"/>
